--- a/InSemi190614.pptx
+++ b/InSemi190614.pptx
@@ -4662,7 +4662,7 @@
           <a:p>
             <a:r>
               <a:rPr lang="en-US" altLang="ja-JP" sz="2000" dirty="0"/>
-              <a:t>4</a:t>
+              <a:t>3</a:t>
             </a:r>
             <a:r>
               <a:rPr kumimoji="1" lang="en-US" altLang="ja-JP" sz="2000" dirty="0" smtClean="0"/>
@@ -4681,7 +4681,7 @@
             </a:br>
             <a:r>
               <a:rPr lang="en-US" altLang="ja-JP" sz="3600" dirty="0"/>
-              <a:t>4</a:t>
+              <a:t>3</a:t>
             </a:r>
             <a:r>
               <a:rPr lang="en-US" altLang="ja-JP" sz="3600" dirty="0" smtClean="0"/>
@@ -5547,7 +5547,7 @@
           <a:p>
             <a:r>
               <a:rPr lang="en-US" altLang="ja-JP" sz="2000" dirty="0"/>
-              <a:t>4</a:t>
+              <a:t>3</a:t>
             </a:r>
             <a:r>
               <a:rPr kumimoji="1" lang="en-US" altLang="ja-JP" sz="2000" dirty="0" smtClean="0"/>
@@ -5565,8 +5565,12 @@
               <a:rPr kumimoji="1" lang="en-US" altLang="ja-JP" sz="2000" dirty="0" smtClean="0"/>
             </a:br>
             <a:r>
+              <a:rPr lang="en-US" altLang="ja-JP" sz="3600" dirty="0"/>
+              <a:t>3</a:t>
+            </a:r>
+            <a:r>
               <a:rPr lang="en-US" altLang="ja-JP" sz="3600" dirty="0" smtClean="0"/>
-              <a:t>4.2</a:t>
+              <a:t>.2</a:t>
             </a:r>
             <a:r>
               <a:rPr lang="ja-JP" altLang="en-US" sz="3600" dirty="0" smtClean="0"/>
@@ -6596,8 +6600,12 @@
           <a:lstStyle/>
           <a:p>
             <a:r>
+              <a:rPr lang="en-US" altLang="ja-JP" sz="2000" dirty="0"/>
+              <a:t>3</a:t>
+            </a:r>
+            <a:r>
               <a:rPr kumimoji="1" lang="en-US" altLang="ja-JP" sz="2000" dirty="0" smtClean="0"/>
-              <a:t>4. </a:t>
+              <a:t>. </a:t>
             </a:r>
             <a:r>
               <a:rPr kumimoji="1" lang="ja-JP" altLang="en-US" sz="2000" dirty="0" smtClean="0"/>
@@ -6611,8 +6619,12 @@
               <a:rPr kumimoji="1" lang="en-US" altLang="ja-JP" sz="2000" dirty="0" smtClean="0"/>
             </a:br>
             <a:r>
+              <a:rPr lang="en-US" altLang="ja-JP" sz="3600" dirty="0"/>
+              <a:t>3</a:t>
+            </a:r>
+            <a:r>
               <a:rPr lang="en-US" altLang="ja-JP" sz="3600" dirty="0" smtClean="0"/>
-              <a:t>4.3 </a:t>
+              <a:t>.3 </a:t>
             </a:r>
             <a:r>
               <a:rPr lang="ja-JP" altLang="en-US" sz="3600" dirty="0" smtClean="0"/>
@@ -6875,8 +6887,12 @@
           <a:lstStyle/>
           <a:p>
             <a:r>
+              <a:rPr lang="en-US" altLang="ja-JP" sz="2000" dirty="0"/>
+              <a:t>3</a:t>
+            </a:r>
+            <a:r>
               <a:rPr lang="en-US" altLang="ja-JP" sz="2000" dirty="0" smtClean="0"/>
-              <a:t>4. </a:t>
+              <a:t>. </a:t>
             </a:r>
             <a:r>
               <a:rPr lang="ja-JP" altLang="en-US" sz="2000" dirty="0" smtClean="0"/>
@@ -6890,8 +6906,12 @@
               <a:rPr lang="en-US" altLang="ja-JP" dirty="0" smtClean="0"/>
             </a:br>
             <a:r>
+              <a:rPr lang="en-US" altLang="ja-JP" sz="3600" dirty="0"/>
+              <a:t>3</a:t>
+            </a:r>
+            <a:r>
               <a:rPr lang="en-US" altLang="ja-JP" sz="3600" dirty="0" smtClean="0"/>
-              <a:t>4.4</a:t>
+              <a:t>.4</a:t>
             </a:r>
             <a:r>
               <a:rPr kumimoji="1" lang="en-US" altLang="ja-JP" sz="3600" dirty="0" smtClean="0"/>
@@ -7194,8 +7214,12 @@
           <a:lstStyle/>
           <a:p>
             <a:r>
+              <a:rPr lang="en-US" altLang="ja-JP" dirty="0"/>
+              <a:t>4</a:t>
+            </a:r>
+            <a:r>
               <a:rPr kumimoji="1" lang="en-US" altLang="ja-JP" dirty="0" smtClean="0"/>
-              <a:t>5. </a:t>
+              <a:t>. </a:t>
             </a:r>
             <a:r>
               <a:rPr kumimoji="1" lang="ja-JP" altLang="en-US" dirty="0" smtClean="0"/>
@@ -7234,7 +7258,26 @@
             </a:r>
             <a:r>
               <a:rPr lang="ja-JP" altLang="en-US" dirty="0" smtClean="0"/>
-              <a:t>を凝視するより，少しぼんやりと見る方がベクションが生起しやすかったため</a:t>
+              <a:t>を凝視するより，少しぼんやりと見る方がベクションが生起しやすかった</a:t>
+            </a:r>
+            <a:r>
+              <a:rPr lang="ja-JP" altLang="en-US" dirty="0" smtClean="0"/>
+              <a:t>ため</a:t>
+            </a:r>
+            <a:endParaRPr lang="en-US" altLang="ja-JP" dirty="0" smtClean="0"/>
+          </a:p>
+          <a:p>
+            <a:r>
+              <a:rPr lang="ja-JP" altLang="en-US" dirty="0" smtClean="0"/>
+              <a:t>ベクション条件にて，「その場で回っているように感じたら」ではなく，「その場で動いているように感じたら」ボタン応答するように教示を変更</a:t>
+            </a:r>
+            <a:endParaRPr lang="en-US" altLang="ja-JP" dirty="0" smtClean="0"/>
+          </a:p>
+          <a:p>
+            <a:pPr lvl="1"/>
+            <a:r>
+              <a:rPr lang="ja-JP" altLang="en-US" dirty="0" smtClean="0"/>
+              <a:t>今回の視覚刺激だと，回転ではなく横移動を知覚する可能性もあるため</a:t>
             </a:r>
             <a:endParaRPr lang="en-US" altLang="ja-JP" dirty="0" smtClean="0"/>
           </a:p>
@@ -7263,7 +7306,7 @@
               <a:t>7</a:t>
             </a:r>
             <a:r>
-              <a:rPr lang="ja-JP" altLang="en-US" smtClean="0"/>
+              <a:rPr lang="ja-JP" altLang="en-US" dirty="0" smtClean="0"/>
               <a:t>月頭までをめどに</a:t>
             </a:r>
             <a:endParaRPr lang="en-US" altLang="ja-JP" dirty="0" smtClean="0"/>
@@ -8140,16 +8183,33 @@
         </p:nvSpPr>
         <p:spPr/>
         <p:txBody>
-          <a:bodyPr/>
-          <a:lstStyle/>
-          <a:p>
-            <a:r>
-              <a:rPr lang="en-US" altLang="ja-JP" dirty="0" smtClean="0"/>
+          <a:bodyPr>
+            <a:normAutofit fontScale="90000"/>
+          </a:bodyPr>
+          <a:lstStyle/>
+          <a:p>
+            <a:r>
+              <a:rPr lang="en-US" altLang="ja-JP" sz="2000" dirty="0" smtClean="0"/>
               <a:t>2. </a:t>
             </a:r>
             <a:r>
-              <a:rPr lang="ja-JP" altLang="en-US" dirty="0" smtClean="0"/>
-              <a:t>実験概要</a:t>
+              <a:rPr lang="ja-JP" altLang="en-US" sz="2000" dirty="0"/>
+              <a:t>方法</a:t>
+            </a:r>
+            <a:r>
+              <a:rPr lang="en-US" altLang="ja-JP" sz="3200" dirty="0" smtClean="0"/>
+              <a:t/>
+            </a:r>
+            <a:br>
+              <a:rPr lang="en-US" altLang="ja-JP" sz="3200" dirty="0" smtClean="0"/>
+            </a:br>
+            <a:r>
+              <a:rPr lang="en-US" altLang="ja-JP" sz="3600" dirty="0" smtClean="0"/>
+              <a:t>2.1 </a:t>
+            </a:r>
+            <a:r>
+              <a:rPr lang="ja-JP" altLang="en-US" sz="3600" dirty="0" smtClean="0"/>
+              <a:t>概要</a:t>
             </a:r>
             <a:endParaRPr kumimoji="1" lang="ja-JP" altLang="en-US" dirty="0"/>
           </a:p>
@@ -8375,11 +8435,15 @@
           <a:lstStyle/>
           <a:p>
             <a:r>
+              <a:rPr lang="en-US" altLang="ja-JP" sz="2000" dirty="0"/>
+              <a:t>2</a:t>
+            </a:r>
+            <a:r>
               <a:rPr kumimoji="1" lang="en-US" altLang="ja-JP" sz="2000" dirty="0" smtClean="0"/>
-              <a:t>3. </a:t>
-            </a:r>
-            <a:r>
-              <a:rPr kumimoji="1" lang="ja-JP" altLang="en-US" sz="2000" dirty="0" smtClean="0"/>
+              <a:t>. </a:t>
+            </a:r>
+            <a:r>
+              <a:rPr lang="ja-JP" altLang="en-US" sz="2000" dirty="0"/>
               <a:t>方法</a:t>
             </a:r>
             <a:r>
@@ -8391,7 +8455,11 @@
             </a:br>
             <a:r>
               <a:rPr lang="en-US" altLang="ja-JP" sz="3600" dirty="0" smtClean="0"/>
-              <a:t>3.1 </a:t>
+              <a:t>2</a:t>
+            </a:r>
+            <a:r>
+              <a:rPr lang="en-US" altLang="ja-JP" sz="3600" dirty="0" smtClean="0"/>
+              <a:t>.2 </a:t>
             </a:r>
             <a:r>
               <a:rPr lang="ja-JP" altLang="en-US" sz="3600" dirty="0" smtClean="0"/>
@@ -10464,11 +10532,15 @@
           <a:lstStyle/>
           <a:p>
             <a:r>
+              <a:rPr lang="en-US" altLang="ja-JP" sz="2000" dirty="0"/>
+              <a:t>2</a:t>
+            </a:r>
+            <a:r>
               <a:rPr kumimoji="1" lang="en-US" altLang="ja-JP" sz="2000" dirty="0" smtClean="0"/>
-              <a:t>3. </a:t>
-            </a:r>
-            <a:r>
-              <a:rPr kumimoji="1" lang="ja-JP" altLang="en-US" sz="2000" dirty="0" smtClean="0"/>
+              <a:t>. </a:t>
+            </a:r>
+            <a:r>
+              <a:rPr lang="ja-JP" altLang="en-US" sz="2000" dirty="0" smtClean="0"/>
               <a:t>方法</a:t>
             </a:r>
             <a:r>
@@ -10480,7 +10552,11 @@
             </a:br>
             <a:r>
               <a:rPr lang="en-US" altLang="ja-JP" sz="3600" dirty="0" smtClean="0"/>
-              <a:t>3.2 </a:t>
+              <a:t>2</a:t>
+            </a:r>
+            <a:r>
+              <a:rPr lang="en-US" altLang="ja-JP" sz="3600" dirty="0" smtClean="0"/>
+              <a:t>.3 </a:t>
             </a:r>
             <a:r>
               <a:rPr lang="ja-JP" altLang="en-US" sz="3600" dirty="0" smtClean="0"/>
@@ -10808,8 +10884,12 @@
           <a:lstStyle/>
           <a:p>
             <a:r>
+              <a:rPr lang="en-US" altLang="ja-JP" sz="2000" dirty="0"/>
+              <a:t>2</a:t>
+            </a:r>
+            <a:r>
               <a:rPr kumimoji="1" lang="en-US" altLang="ja-JP" sz="2000" dirty="0" smtClean="0"/>
-              <a:t>3. </a:t>
+              <a:t>. </a:t>
             </a:r>
             <a:r>
               <a:rPr kumimoji="1" lang="ja-JP" altLang="en-US" sz="2000" dirty="0" smtClean="0"/>
@@ -10824,7 +10904,11 @@
             </a:br>
             <a:r>
               <a:rPr lang="en-US" altLang="ja-JP" sz="3600" dirty="0" smtClean="0"/>
-              <a:t>3.3 </a:t>
+              <a:t>2</a:t>
+            </a:r>
+            <a:r>
+              <a:rPr lang="en-US" altLang="ja-JP" sz="3600" dirty="0" smtClean="0"/>
+              <a:t>.4 </a:t>
             </a:r>
             <a:r>
               <a:rPr lang="ja-JP" altLang="en-US" sz="3600" dirty="0" smtClean="0"/>
@@ -11191,12 +11275,8 @@
           <a:lstStyle/>
           <a:p>
             <a:r>
-              <a:rPr lang="en-US" altLang="ja-JP" sz="2000" dirty="0"/>
-              <a:t>3</a:t>
-            </a:r>
-            <a:r>
               <a:rPr kumimoji="1" lang="en-US" altLang="ja-JP" sz="2000" dirty="0" smtClean="0"/>
-              <a:t>. </a:t>
+              <a:t>2. </a:t>
             </a:r>
             <a:r>
               <a:rPr kumimoji="1" lang="ja-JP" altLang="en-US" sz="2000" dirty="0" smtClean="0"/>
@@ -11211,7 +11291,7 @@
             </a:br>
             <a:r>
               <a:rPr lang="en-US" altLang="ja-JP" sz="3600" dirty="0" smtClean="0"/>
-              <a:t>3.4 </a:t>
+              <a:t>2.5 </a:t>
             </a:r>
             <a:r>
               <a:rPr lang="ja-JP" altLang="en-US" sz="3600" dirty="0" smtClean="0"/>

--- a/InSemi190614.pptx
+++ b/InSemi190614.pptx
@@ -221,7 +221,7 @@
           <a:p>
             <a:fld id="{B43056E0-827A-4835-9E13-E140B1637546}" type="datetimeFigureOut">
               <a:rPr kumimoji="1" lang="ja-JP" altLang="en-US" smtClean="0"/>
-              <a:t>2019/6/10</a:t>
+              <a:t>2019/6/11</a:t>
             </a:fld>
             <a:endParaRPr kumimoji="1" lang="ja-JP" altLang="en-US"/>
           </a:p>
@@ -7258,11 +7258,74 @@
             </a:r>
             <a:r>
               <a:rPr lang="ja-JP" altLang="en-US" dirty="0" smtClean="0"/>
-              <a:t>を凝視するより，少しぼんやりと見る方がベクションが生起しやすかった</a:t>
-            </a:r>
+              <a:t>を凝視するより，少しぼんやりと見る方がベクションが生起しやすかったため</a:t>
+            </a:r>
+            <a:endParaRPr lang="en-US" altLang="ja-JP" dirty="0" smtClean="0"/>
+          </a:p>
+          <a:p>
             <a:r>
               <a:rPr lang="ja-JP" altLang="en-US" dirty="0" smtClean="0"/>
-              <a:t>ため</a:t>
+              <a:t>ベクション刺激における球を，</a:t>
+            </a:r>
+            <a:r>
+              <a:rPr lang="ja-JP" altLang="en-US" dirty="0" smtClean="0"/>
+              <a:t>直径</a:t>
+            </a:r>
+            <a:r>
+              <a:rPr lang="en-US" altLang="ja-JP" dirty="0"/>
+              <a:t>1</a:t>
+            </a:r>
+            <a:r>
+              <a:rPr lang="en-US" altLang="ja-JP" dirty="0" smtClean="0"/>
+              <a:t>0cm</a:t>
+            </a:r>
+            <a:r>
+              <a:rPr lang="ja-JP" altLang="en-US" dirty="0" smtClean="0"/>
+              <a:t>・周囲</a:t>
+            </a:r>
+            <a:r>
+              <a:rPr lang="en-US" altLang="ja-JP" dirty="0" smtClean="0"/>
+              <a:t>5m</a:t>
+            </a:r>
+            <a:r>
+              <a:rPr lang="ja-JP" altLang="en-US" dirty="0" smtClean="0"/>
+              <a:t>配置から</a:t>
+            </a:r>
+            <a:r>
+              <a:rPr lang="ja-JP" altLang="en-US" dirty="0" smtClean="0"/>
+              <a:t>直径</a:t>
+            </a:r>
+            <a:r>
+              <a:rPr lang="en-US" altLang="ja-JP" dirty="0"/>
+              <a:t>5</a:t>
+            </a:r>
+            <a:r>
+              <a:rPr lang="en-US" altLang="ja-JP" dirty="0" smtClean="0"/>
+              <a:t>cm</a:t>
+            </a:r>
+            <a:r>
+              <a:rPr lang="ja-JP" altLang="en-US" dirty="0" smtClean="0"/>
+              <a:t>・周囲</a:t>
+            </a:r>
+            <a:r>
+              <a:rPr lang="en-US" altLang="ja-JP" dirty="0" smtClean="0"/>
+              <a:t>2m</a:t>
+            </a:r>
+            <a:r>
+              <a:rPr lang="ja-JP" altLang="en-US" dirty="0" smtClean="0"/>
+              <a:t>配置に変更</a:t>
+            </a:r>
+            <a:endParaRPr lang="en-US" altLang="ja-JP" dirty="0" smtClean="0"/>
+          </a:p>
+          <a:p>
+            <a:pPr lvl="1"/>
+            <a:r>
+              <a:rPr lang="ja-JP" altLang="en-US" dirty="0"/>
+              <a:t>球</a:t>
+            </a:r>
+            <a:r>
+              <a:rPr lang="ja-JP" altLang="en-US" dirty="0" smtClean="0"/>
+              <a:t>をより近くに配置するほうがベクションが生起しやすいかも？</a:t>
             </a:r>
             <a:endParaRPr lang="en-US" altLang="ja-JP" dirty="0" smtClean="0"/>
           </a:p>
@@ -8059,7 +8122,7 @@
             </a:r>
             <a:r>
               <a:rPr lang="ja-JP" altLang="en-US" b="1" dirty="0" smtClean="0"/>
-              <a:t>：頭部回転中の音像定位精度変化原因として，相対的な音方向変化と回転感覚の妥当性を調べる</a:t>
+              <a:t>：頭部回転中の音像定位精度悪化の原因として，相対的な音方向変化と回転感覚の妥当性を調べる</a:t>
             </a:r>
             <a:endParaRPr lang="en-US" altLang="ja-JP" b="1" dirty="0" smtClean="0"/>
           </a:p>
@@ -8232,18 +8295,26 @@
           <a:p>
             <a:r>
               <a:rPr kumimoji="1" lang="ja-JP" altLang="en-US" dirty="0" smtClean="0"/>
-              <a:t>目的：回転感覚は生起しながら相対的な音方向は</a:t>
-            </a:r>
+              <a:t>目的：回転感覚が音像定位精度に与える影響の調査</a:t>
+            </a:r>
+            <a:endParaRPr kumimoji="1" lang="en-US" altLang="ja-JP" dirty="0" smtClean="0"/>
+          </a:p>
+          <a:p>
             <a:r>
               <a:rPr lang="ja-JP" altLang="en-US" dirty="0" smtClean="0"/>
-              <a:t>変化しない（実際には回っていないのに回転を感じる）状況での音像定位精度を調べる</a:t>
-            </a:r>
-            <a:endParaRPr lang="en-US" altLang="ja-JP" dirty="0" smtClean="0"/>
-          </a:p>
-          <a:p>
+              <a:t>方法：回転を知覚していながら相対的な音方向は変化しない状況で音像定位実験を行う</a:t>
+            </a:r>
+            <a:endParaRPr kumimoji="1" lang="en-US" altLang="ja-JP" dirty="0" smtClean="0"/>
+          </a:p>
+          <a:p>
+            <a:pPr lvl="1"/>
+            <a:r>
+              <a:rPr lang="ja-JP" altLang="en-US" b="1" dirty="0" smtClean="0"/>
+              <a:t>ベクション（視覚誘導性自己運動感覚）</a:t>
+            </a:r>
             <a:r>
               <a:rPr lang="ja-JP" altLang="en-US" dirty="0" smtClean="0"/>
-              <a:t>ベクション（視覚誘導性自己運動感覚）：視覚刺激によって身体静止時に錯覚的な移動感覚が生じる現象</a:t>
+              <a:t>：視覚刺激によって身体静止時に錯覚的な移動感覚が生じる現象</a:t>
             </a:r>
             <a:endParaRPr lang="en-US" altLang="ja-JP" dirty="0" smtClean="0"/>
           </a:p>
@@ -8455,11 +8526,7 @@
             </a:br>
             <a:r>
               <a:rPr lang="en-US" altLang="ja-JP" sz="3600" dirty="0" smtClean="0"/>
-              <a:t>2</a:t>
-            </a:r>
-            <a:r>
-              <a:rPr lang="en-US" altLang="ja-JP" sz="3600" dirty="0" smtClean="0"/>
-              <a:t>.2 </a:t>
+              <a:t>2.2 </a:t>
             </a:r>
             <a:r>
               <a:rPr lang="ja-JP" altLang="en-US" sz="3600" dirty="0" smtClean="0"/>
@@ -10552,11 +10619,7 @@
             </a:br>
             <a:r>
               <a:rPr lang="en-US" altLang="ja-JP" sz="3600" dirty="0" smtClean="0"/>
-              <a:t>2</a:t>
-            </a:r>
-            <a:r>
-              <a:rPr lang="en-US" altLang="ja-JP" sz="3600" dirty="0" smtClean="0"/>
-              <a:t>.3 </a:t>
+              <a:t>2.3 </a:t>
             </a:r>
             <a:r>
               <a:rPr lang="ja-JP" altLang="en-US" sz="3600" dirty="0" smtClean="0"/>
@@ -10611,51 +10674,7 @@
                   <a:rPr kumimoji="1" lang="ja-JP" altLang="en-US" dirty="0" smtClean="0"/>
                   <a:t>の緑色の球をランダムに配置</a:t>
                 </a:r>
-                <a:r>
-                  <a:rPr kumimoji="1" lang="ja-JP" altLang="en-US" dirty="0" smtClean="0">
-                    <a:solidFill>
-                      <a:srgbClr val="FF0000"/>
-                    </a:solidFill>
-                  </a:rPr>
-                  <a:t>→半径</a:t>
-                </a:r>
-                <a:r>
-                  <a:rPr kumimoji="1" lang="en-US" altLang="ja-JP" dirty="0" smtClean="0">
-                    <a:solidFill>
-                      <a:srgbClr val="FF0000"/>
-                    </a:solidFill>
-                  </a:rPr>
-                  <a:t>2m</a:t>
-                </a:r>
-                <a:r>
-                  <a:rPr kumimoji="1" lang="ja-JP" altLang="en-US" dirty="0" smtClean="0">
-                    <a:solidFill>
-                      <a:srgbClr val="FF0000"/>
-                    </a:solidFill>
-                  </a:rPr>
-                  <a:t>の球面上に半径</a:t>
-                </a:r>
-                <a:r>
-                  <a:rPr kumimoji="1" lang="en-US" altLang="ja-JP" dirty="0" smtClean="0">
-                    <a:solidFill>
-                      <a:srgbClr val="FF0000"/>
-                    </a:solidFill>
-                  </a:rPr>
-                  <a:t>2cm</a:t>
-                </a:r>
-                <a:r>
-                  <a:rPr lang="ja-JP" altLang="en-US" dirty="0" smtClean="0">
-                    <a:solidFill>
-                      <a:srgbClr val="FF0000"/>
-                    </a:solidFill>
-                  </a:rPr>
-                  <a:t>球を配置することに変更</a:t>
-                </a:r>
-                <a:endParaRPr kumimoji="1" lang="en-US" altLang="ja-JP" dirty="0" smtClean="0">
-                  <a:solidFill>
-                    <a:srgbClr val="FF0000"/>
-                  </a:solidFill>
-                </a:endParaRPr>
+                <a:endParaRPr kumimoji="1" lang="en-US" altLang="ja-JP" dirty="0" smtClean="0"/>
               </a:p>
               <a:p>
                 <a:r>
@@ -10709,7 +10728,7 @@
               </p:nvPr>
             </p:nvSpPr>
             <p:spPr>
-              <a:blipFill>
+              <a:blipFill rotWithShape="0">
                 <a:blip r:embed="rId2"/>
                 <a:stretch>
                   <a:fillRect l="-971" t="-1503"/>
@@ -10821,7 +10840,7 @@
         </p:blipFill>
         <p:spPr>
           <a:xfrm>
-            <a:off x="2572871" y="2978919"/>
+            <a:off x="2415053" y="2775719"/>
             <a:ext cx="4496357" cy="3179834"/>
           </a:xfrm>
           <a:prstGeom prst="rect">
@@ -10904,11 +10923,7 @@
             </a:br>
             <a:r>
               <a:rPr lang="en-US" altLang="ja-JP" sz="3600" dirty="0" smtClean="0"/>
-              <a:t>2</a:t>
-            </a:r>
-            <a:r>
-              <a:rPr lang="en-US" altLang="ja-JP" sz="3600" dirty="0" smtClean="0"/>
-              <a:t>.4 </a:t>
+              <a:t>2.4 </a:t>
             </a:r>
             <a:r>
               <a:rPr lang="ja-JP" altLang="en-US" sz="3600" dirty="0" smtClean="0"/>

--- a/InSemi190614.pptx
+++ b/InSemi190614.pptx
@@ -221,7 +221,7 @@
           <a:p>
             <a:fld id="{B43056E0-827A-4835-9E13-E140B1637546}" type="datetimeFigureOut">
               <a:rPr kumimoji="1" lang="ja-JP" altLang="en-US" smtClean="0"/>
-              <a:t>2019/6/11</a:t>
+              <a:t>2019/6/13</a:t>
             </a:fld>
             <a:endParaRPr kumimoji="1" lang="ja-JP" altLang="en-US"/>
           </a:p>
@@ -1113,34 +1113,6 @@
           <a:bodyPr/>
           <a:lstStyle/>
           <a:p>
-            <a:r>
-              <a:rPr kumimoji="1" lang="ja-JP" altLang="en-US" dirty="0" smtClean="0"/>
-              <a:t>過去の実験でも</a:t>
-            </a:r>
-            <a:r>
-              <a:rPr kumimoji="1" lang="en-US" altLang="ja-JP" dirty="0" err="1" smtClean="0"/>
-              <a:t>jnd</a:t>
-            </a:r>
-            <a:r>
-              <a:rPr kumimoji="1" lang="ja-JP" altLang="en-US" dirty="0" smtClean="0"/>
-              <a:t>は最大</a:t>
-            </a:r>
-            <a:r>
-              <a:rPr kumimoji="1" lang="en-US" altLang="ja-JP" dirty="0" smtClean="0"/>
-              <a:t>3</a:t>
-            </a:r>
-            <a:r>
-              <a:rPr kumimoji="1" lang="ja-JP" altLang="en-US" dirty="0" smtClean="0"/>
-              <a:t>度程度まで確認されていたのでそちらは予想範囲内だった一方、</a:t>
-            </a:r>
-            <a:r>
-              <a:rPr kumimoji="1" lang="en-US" altLang="ja-JP" dirty="0" smtClean="0"/>
-              <a:t>PSE</a:t>
-            </a:r>
-            <a:r>
-              <a:rPr kumimoji="1" lang="ja-JP" altLang="en-US" dirty="0" smtClean="0"/>
-              <a:t>が真正面からこれほどずれた理由はまだわからない</a:t>
-            </a:r>
             <a:endParaRPr kumimoji="1" lang="ja-JP" altLang="en-US" dirty="0"/>
           </a:p>
         </p:txBody>
@@ -6929,8 +6901,8 @@
           </a:p>
         </p:txBody>
       </p:sp>
-      <mc:AlternateContent xmlns:mc="http://schemas.openxmlformats.org/markup-compatibility/2006" xmlns:a14="http://schemas.microsoft.com/office/drawing/2010/main">
-        <mc:Choice Requires="a14">
+      <mc:AlternateContent xmlns:mc="http://schemas.openxmlformats.org/markup-compatibility/2006">
+        <mc:Choice xmlns:a14="http://schemas.microsoft.com/office/drawing/2010/main" Requires="a14">
           <p:sp>
             <p:nvSpPr>
               <p:cNvPr id="3" name="コンテンツ プレースホルダー 2"/>
@@ -7027,45 +6999,18 @@
                 <a:pPr lvl="1"/>
                 <a:r>
                   <a:rPr lang="ja-JP" altLang="en-US" dirty="0" smtClean="0"/>
-                  <a:t>有意差が出なかった場合，被験者</a:t>
-                </a:r>
-                <a:r>
-                  <a:rPr lang="en-US" altLang="ja-JP" dirty="0" smtClean="0"/>
-                  <a:t>2</a:t>
-                </a:r>
-                <a:r>
-                  <a:rPr lang="ja-JP" altLang="en-US" dirty="0" err="1" smtClean="0"/>
-                  <a:t>のような</a:t>
+                  <a:t>有意差が出なかった場合</a:t>
                 </a:r>
                 <a:r>
                   <a:rPr lang="ja-JP" altLang="en-US" dirty="0" smtClean="0"/>
-                  <a:t>結果が示すのは，「ベクションを特に強く知覚した」</a:t>
-                </a:r>
-                <a:r>
-                  <a:rPr lang="en-US" altLang="ja-JP" dirty="0" smtClean="0"/>
-                  <a:t>,</a:t>
-                </a:r>
-                <a:r>
-                  <a:rPr lang="ja-JP" altLang="en-US" dirty="0" smtClean="0"/>
-                  <a:t>「</a:t>
-                </a:r>
-                <a:r>
-                  <a:rPr lang="en-US" altLang="ja-JP" dirty="0" smtClean="0"/>
-                  <a:t> </a:t>
-                </a:r>
-                <a:r>
-                  <a:rPr lang="ja-JP" altLang="en-US" dirty="0" smtClean="0"/>
-                  <a:t>一試行あたりの時間が長く負担が大きかった」，</a:t>
-                </a:r>
-                <a:r>
-                  <a:rPr lang="en-US" altLang="ja-JP" dirty="0" smtClean="0"/>
-                  <a:t> …</a:t>
-                </a:r>
+                  <a:t>，回転感覚は定位精度悪化を引き起こさず，相対的な音方向変化が悪化原因であると予想できる</a:t>
+                </a:r>
+                <a:endParaRPr lang="en-US" altLang="ja-JP" dirty="0" smtClean="0"/>
               </a:p>
             </p:txBody>
           </p:sp>
         </mc:Choice>
-        <mc:Fallback xmlns="">
+        <mc:Fallback>
           <p:sp>
             <p:nvSpPr>
               <p:cNvPr id="3" name="コンテンツ プレースホルダー 2"/>
@@ -7246,7 +7191,11 @@
           <a:p>
             <a:r>
               <a:rPr kumimoji="1" lang="ja-JP" altLang="en-US" dirty="0" smtClean="0"/>
-              <a:t>固視点を十字からひとつの球に変更</a:t>
+              <a:t>固視点を十字からひとつの球に</a:t>
+            </a:r>
+            <a:r>
+              <a:rPr kumimoji="1" lang="ja-JP" altLang="en-US" dirty="0" smtClean="0"/>
+              <a:t>変更し，位置の再調整</a:t>
             </a:r>
             <a:endParaRPr kumimoji="1" lang="en-US" altLang="ja-JP" dirty="0" smtClean="0"/>
           </a:p>
@@ -7258,18 +7207,22 @@
             </a:r>
             <a:r>
               <a:rPr lang="ja-JP" altLang="en-US" dirty="0" smtClean="0"/>
-              <a:t>を凝視するより，少しぼんやりと見る方がベクションが生起しやすかったため</a:t>
+              <a:t>を凝視するより</a:t>
+            </a:r>
+            <a:r>
+              <a:rPr lang="ja-JP" altLang="en-US" dirty="0" smtClean="0"/>
+              <a:t>，ぼんやり</a:t>
+            </a:r>
+            <a:r>
+              <a:rPr lang="ja-JP" altLang="en-US" dirty="0" smtClean="0"/>
+              <a:t>と見る方がベクションが生起しやすかったため</a:t>
             </a:r>
             <a:endParaRPr lang="en-US" altLang="ja-JP" dirty="0" smtClean="0"/>
           </a:p>
           <a:p>
             <a:r>
               <a:rPr lang="ja-JP" altLang="en-US" dirty="0" smtClean="0"/>
-              <a:t>ベクション刺激における球を，</a:t>
-            </a:r>
-            <a:r>
-              <a:rPr lang="ja-JP" altLang="en-US" dirty="0" smtClean="0"/>
-              <a:t>直径</a:t>
+              <a:t>ベクション刺激における球を，直径</a:t>
             </a:r>
             <a:r>
               <a:rPr lang="en-US" altLang="ja-JP" dirty="0"/>
@@ -7289,11 +7242,7 @@
             </a:r>
             <a:r>
               <a:rPr lang="ja-JP" altLang="en-US" dirty="0" smtClean="0"/>
-              <a:t>配置から</a:t>
-            </a:r>
-            <a:r>
-              <a:rPr lang="ja-JP" altLang="en-US" dirty="0" smtClean="0"/>
-              <a:t>直径</a:t>
+              <a:t>配置から直径</a:t>
             </a:r>
             <a:r>
               <a:rPr lang="en-US" altLang="ja-JP" dirty="0"/>
@@ -7332,7 +7281,15 @@
           <a:p>
             <a:r>
               <a:rPr lang="ja-JP" altLang="en-US" dirty="0" smtClean="0"/>
-              <a:t>ベクション条件にて，「その場で回っているように感じたら」ではなく，「その場で動いているように感じたら」ボタン応答するように教示を変更</a:t>
+              <a:t>ベクション条件にて，「その場で回っているように感じたら」ではなく，「その場で動いているように感じたら」ボタン応答するように教示を</a:t>
+            </a:r>
+            <a:r>
+              <a:rPr lang="ja-JP" altLang="en-US" dirty="0" smtClean="0"/>
+              <a:t>変更．</a:t>
+            </a:r>
+            <a:r>
+              <a:rPr lang="ja-JP" altLang="en-US" dirty="0" smtClean="0"/>
+              <a:t>実験後にどんな動きを感じたかを質問</a:t>
             </a:r>
             <a:endParaRPr lang="en-US" altLang="ja-JP" dirty="0" smtClean="0"/>
           </a:p>
@@ -7370,7 +7327,11 @@
             </a:r>
             <a:r>
               <a:rPr lang="ja-JP" altLang="en-US" dirty="0" smtClean="0"/>
-              <a:t>月頭までをめどに</a:t>
+              <a:t>月頭までを</a:t>
+            </a:r>
+            <a:r>
+              <a:rPr lang="ja-JP" altLang="en-US" dirty="0" smtClean="0"/>
+              <a:t>めどに</a:t>
             </a:r>
             <a:endParaRPr lang="en-US" altLang="ja-JP" dirty="0" smtClean="0"/>
           </a:p>
@@ -10629,8 +10590,8 @@
           </a:p>
         </p:txBody>
       </p:sp>
-      <mc:AlternateContent xmlns:mc="http://schemas.openxmlformats.org/markup-compatibility/2006" xmlns:a14="http://schemas.microsoft.com/office/drawing/2010/main">
-        <mc:Choice Requires="a14">
+      <mc:AlternateContent xmlns:mc="http://schemas.openxmlformats.org/markup-compatibility/2006">
+        <mc:Choice xmlns:a14="http://schemas.microsoft.com/office/drawing/2010/main" Requires="a14">
           <p:sp>
             <p:nvSpPr>
               <p:cNvPr id="3" name="コンテンツ プレースホルダー 2"/>
@@ -10664,7 +10625,11 @@
                 </a:r>
                 <a:r>
                   <a:rPr kumimoji="1" lang="ja-JP" altLang="en-US" dirty="0" smtClean="0"/>
-                  <a:t>個の半径</a:t>
+                  <a:t>個</a:t>
+                </a:r>
+                <a:r>
+                  <a:rPr kumimoji="1" lang="ja-JP" altLang="en-US" dirty="0" smtClean="0"/>
+                  <a:t>の直径</a:t>
                 </a:r>
                 <a:r>
                   <a:rPr kumimoji="1" lang="en-US" altLang="ja-JP" dirty="0" smtClean="0"/>
@@ -10716,7 +10681,7 @@
             </p:txBody>
           </p:sp>
         </mc:Choice>
-        <mc:Fallback xmlns="">
+        <mc:Fallback>
           <p:sp>
             <p:nvSpPr>
               <p:cNvPr id="3" name="コンテンツ プレースホルダー 2"/>
@@ -10728,7 +10693,7 @@
               </p:nvPr>
             </p:nvSpPr>
             <p:spPr>
-              <a:blipFill rotWithShape="0">
+              <a:blipFill>
                 <a:blip r:embed="rId2"/>
                 <a:stretch>
                   <a:fillRect l="-971" t="-1503"/>

--- a/InSemi190614.pptx
+++ b/InSemi190614.pptx
@@ -221,7 +221,7 @@
           <a:p>
             <a:fld id="{B43056E0-827A-4835-9E13-E140B1637546}" type="datetimeFigureOut">
               <a:rPr kumimoji="1" lang="ja-JP" altLang="en-US" smtClean="0"/>
-              <a:t>2019/6/13</a:t>
+              <a:t>2019/6/14</a:t>
             </a:fld>
             <a:endParaRPr kumimoji="1" lang="ja-JP" altLang="en-US"/>
           </a:p>
@@ -565,26 +565,6 @@
           <a:bodyPr/>
           <a:lstStyle/>
           <a:p>
-            <a:r>
-              <a:rPr kumimoji="1" lang="ja-JP" altLang="en-US" dirty="0" smtClean="0"/>
-              <a:t>初めに、クラウド上の</a:t>
-            </a:r>
-            <a:r>
-              <a:rPr kumimoji="1" lang="en-US" altLang="ja-JP" dirty="0" smtClean="0"/>
-              <a:t>PDF</a:t>
-            </a:r>
-            <a:r>
-              <a:rPr kumimoji="1" lang="ja-JP" altLang="en-US" smtClean="0"/>
-              <a:t>をプレビュー</a:t>
-            </a:r>
-            <a:r>
-              <a:rPr kumimoji="1" lang="ja-JP" altLang="en-US" dirty="0" smtClean="0"/>
-              <a:t>しようとすると正確に表示されない</a:t>
-            </a:r>
-            <a:r>
-              <a:rPr kumimoji="1" lang="ja-JP" altLang="en-US" smtClean="0"/>
-              <a:t>ので、お手数ですがダウンロードして別の方法でご覧ください．</a:t>
-            </a:r>
             <a:endParaRPr kumimoji="1" lang="en-US" altLang="ja-JP" dirty="0" smtClean="0"/>
           </a:p>
         </p:txBody>
@@ -669,6 +649,14 @@
           <a:bodyPr/>
           <a:lstStyle/>
           <a:p>
+            <a:r>
+              <a:rPr kumimoji="1" lang="ja-JP" altLang="en-US" dirty="0" smtClean="0"/>
+              <a:t>私の研究は、聞こえた音の像を知覚する音像定位という</a:t>
+            </a:r>
+            <a:r>
+              <a:rPr kumimoji="1" lang="ja-JP" altLang="en-US" smtClean="0"/>
+              <a:t>知覚に関係しています。</a:t>
+            </a:r>
             <a:endParaRPr kumimoji="1" lang="ja-JP" altLang="en-US" dirty="0"/>
           </a:p>
         </p:txBody>
@@ -755,7 +743,15 @@
           <a:p>
             <a:r>
               <a:rPr kumimoji="1" lang="ja-JP" altLang="en-US" dirty="0" smtClean="0"/>
-              <a:t>これ以降のスライドでは、予備的に行った実験について説明します。</a:t>
+              <a:t>これ以降のスライドでは、予備的に行った実験について説明します</a:t>
+            </a:r>
+            <a:r>
+              <a:rPr kumimoji="1" lang="ja-JP" altLang="en-US" dirty="0" smtClean="0"/>
+              <a:t>。／たとえば、自分が乗っている電車は</a:t>
+            </a:r>
+            <a:r>
+              <a:rPr kumimoji="1" lang="ja-JP" altLang="en-US" smtClean="0"/>
+              <a:t>止まっていて向こう側に見える電車が動き出したとき、自らも動いているように感じることがあります。これもベクションの一種です。</a:t>
             </a:r>
             <a:endParaRPr kumimoji="1" lang="ja-JP" altLang="en-US" dirty="0"/>
           </a:p>
@@ -4564,6 +4560,14 @@
             <a:pPr algn="l"/>
             <a:r>
               <a:rPr lang="ja-JP" altLang="en-US" dirty="0" smtClean="0"/>
+              <a:t>先端音情報システム研究室</a:t>
+            </a:r>
+            <a:endParaRPr kumimoji="1" lang="en-US" altLang="ja-JP" dirty="0" smtClean="0"/>
+          </a:p>
+          <a:p>
+            <a:pPr algn="l"/>
+            <a:r>
+              <a:rPr lang="ja-JP" altLang="en-US" dirty="0" smtClean="0"/>
               <a:t>修士２年</a:t>
             </a:r>
             <a:endParaRPr lang="en-US" altLang="ja-JP" dirty="0"/>
@@ -4966,7 +4970,7 @@
         </p:blipFill>
         <p:spPr>
           <a:xfrm>
-            <a:off x="3341065" y="2641227"/>
+            <a:off x="3080819" y="2641227"/>
             <a:ext cx="2969932" cy="2226600"/>
           </a:xfrm>
           <a:prstGeom prst="rect">
@@ -4984,7 +4988,7 @@
             </p:nvSpPr>
             <p:spPr>
               <a:xfrm>
-                <a:off x="273160" y="5055192"/>
+                <a:off x="509956" y="5050201"/>
                 <a:ext cx="2275541" cy="1200329"/>
               </a:xfrm>
               <a:prstGeom prst="rect">
@@ -5051,13 +5055,13 @@
             </p:nvSpPr>
             <p:spPr>
               <a:xfrm>
-                <a:off x="273160" y="5055192"/>
+                <a:off x="509956" y="5050201"/>
                 <a:ext cx="2275541" cy="1200329"/>
               </a:xfrm>
               <a:prstGeom prst="rect">
                 <a:avLst/>
               </a:prstGeom>
-              <a:blipFill>
+              <a:blipFill rotWithShape="0">
                 <a:blip r:embed="rId5"/>
                 <a:stretch>
                   <a:fillRect l="-4290" t="-4061" b="-10660"/>
@@ -5089,7 +5093,7 @@
             </p:nvSpPr>
             <p:spPr>
               <a:xfrm>
-                <a:off x="3612029" y="5055191"/>
+                <a:off x="3605814" y="5050201"/>
                 <a:ext cx="1919941" cy="1200329"/>
               </a:xfrm>
               <a:prstGeom prst="rect">
@@ -5156,13 +5160,13 @@
             </p:nvSpPr>
             <p:spPr>
               <a:xfrm>
-                <a:off x="3612029" y="5055191"/>
+                <a:off x="3605814" y="5050201"/>
                 <a:ext cx="1919941" cy="1200329"/>
               </a:xfrm>
               <a:prstGeom prst="rect">
                 <a:avLst/>
               </a:prstGeom>
-              <a:blipFill>
+              <a:blipFill rotWithShape="0">
                 <a:blip r:embed="rId6"/>
                 <a:stretch>
                   <a:fillRect l="-5096" t="-4061" b="-10660"/>
@@ -6745,7 +6749,11 @@
           <a:p>
             <a:r>
               <a:rPr kumimoji="1" lang="ja-JP" altLang="en-US" sz="2400" dirty="0" smtClean="0"/>
-              <a:t>時折大きかったが，ほぼ平ら</a:t>
+              <a:t>時折大きかったが，ほぼ</a:t>
+            </a:r>
+            <a:r>
+              <a:rPr kumimoji="1" lang="ja-JP" altLang="en-US" sz="2400" dirty="0"/>
+              <a:t>一定</a:t>
             </a:r>
             <a:endParaRPr kumimoji="1" lang="en-US" altLang="ja-JP" sz="2400" dirty="0" smtClean="0"/>
           </a:p>
@@ -6821,6 +6829,13 @@
   <p:clrMapOvr>
     <a:masterClrMapping/>
   </p:clrMapOvr>
+  <p:timing>
+    <p:tnLst>
+      <p:par>
+        <p:cTn id="1" dur="indefinite" restart="never" nodeType="tmRoot"/>
+      </p:par>
+    </p:tnLst>
+  </p:timing>
 </p:sld>
 </file>
 
@@ -6901,8 +6916,8 @@
           </a:p>
         </p:txBody>
       </p:sp>
-      <mc:AlternateContent xmlns:mc="http://schemas.openxmlformats.org/markup-compatibility/2006">
-        <mc:Choice xmlns:a14="http://schemas.microsoft.com/office/drawing/2010/main" Requires="a14">
+      <mc:AlternateContent xmlns:mc="http://schemas.openxmlformats.org/markup-compatibility/2006" xmlns:a14="http://schemas.microsoft.com/office/drawing/2010/main">
+        <mc:Choice Requires="a14">
           <p:sp>
             <p:nvSpPr>
               <p:cNvPr id="3" name="コンテンツ プレースホルダー 2"/>
@@ -6999,18 +7014,14 @@
                 <a:pPr lvl="1"/>
                 <a:r>
                   <a:rPr lang="ja-JP" altLang="en-US" dirty="0" smtClean="0"/>
-                  <a:t>有意差が出なかった場合</a:t>
-                </a:r>
-                <a:r>
-                  <a:rPr lang="ja-JP" altLang="en-US" dirty="0" smtClean="0"/>
-                  <a:t>，回転感覚は定位精度悪化を引き起こさず，相対的な音方向変化が悪化原因であると予想できる</a:t>
+                  <a:t>有意差が出なかった場合，回転感覚は定位精度悪化を引き起こさず，相対的な音方向変化が悪化原因であると予想できる</a:t>
                 </a:r>
                 <a:endParaRPr lang="en-US" altLang="ja-JP" dirty="0" smtClean="0"/>
               </a:p>
             </p:txBody>
           </p:sp>
         </mc:Choice>
-        <mc:Fallback>
+        <mc:Fallback xmlns="">
           <p:sp>
             <p:nvSpPr>
               <p:cNvPr id="3" name="コンテンツ プレースホルダー 2"/>
@@ -7123,6 +7134,13 @@
   <p:clrMapOvr>
     <a:masterClrMapping/>
   </p:clrMapOvr>
+  <p:timing>
+    <p:tnLst>
+      <p:par>
+        <p:cTn id="1" dur="indefinite" restart="never" nodeType="tmRoot"/>
+      </p:par>
+    </p:tnLst>
+  </p:timing>
 </p:sld>
 </file>
 
@@ -7191,11 +7209,7 @@
           <a:p>
             <a:r>
               <a:rPr kumimoji="1" lang="ja-JP" altLang="en-US" dirty="0" smtClean="0"/>
-              <a:t>固視点を十字からひとつの球に</a:t>
-            </a:r>
-            <a:r>
-              <a:rPr kumimoji="1" lang="ja-JP" altLang="en-US" dirty="0" smtClean="0"/>
-              <a:t>変更し，位置の再調整</a:t>
+              <a:t>固視点を十字からひとつの球に変更し，位置の再調整</a:t>
             </a:r>
             <a:endParaRPr kumimoji="1" lang="en-US" altLang="ja-JP" dirty="0" smtClean="0"/>
           </a:p>
@@ -7207,15 +7221,7 @@
             </a:r>
             <a:r>
               <a:rPr lang="ja-JP" altLang="en-US" dirty="0" smtClean="0"/>
-              <a:t>を凝視するより</a:t>
-            </a:r>
-            <a:r>
-              <a:rPr lang="ja-JP" altLang="en-US" dirty="0" smtClean="0"/>
-              <a:t>，ぼんやり</a:t>
-            </a:r>
-            <a:r>
-              <a:rPr lang="ja-JP" altLang="en-US" dirty="0" smtClean="0"/>
-              <a:t>と見る方がベクションが生起しやすかったため</a:t>
+              <a:t>を凝視するより，ぼんやりと見る方がベクションが生起しやすかったため</a:t>
             </a:r>
             <a:endParaRPr lang="en-US" altLang="ja-JP" dirty="0" smtClean="0"/>
           </a:p>
@@ -7281,15 +7287,7 @@
           <a:p>
             <a:r>
               <a:rPr lang="ja-JP" altLang="en-US" dirty="0" smtClean="0"/>
-              <a:t>ベクション条件にて，「その場で回っているように感じたら」ではなく，「その場で動いているように感じたら」ボタン応答するように教示を</a:t>
-            </a:r>
-            <a:r>
-              <a:rPr lang="ja-JP" altLang="en-US" dirty="0" smtClean="0"/>
-              <a:t>変更．</a:t>
-            </a:r>
-            <a:r>
-              <a:rPr lang="ja-JP" altLang="en-US" dirty="0" smtClean="0"/>
-              <a:t>実験後にどんな動きを感じたかを質問</a:t>
+              <a:t>ベクション条件にて，「その場で回っているように感じたら」ではなく，「その場で動いているように感じたら」応答するように教示を変更．実験後にどんな動きを感じたかを質問</a:t>
             </a:r>
             <a:endParaRPr lang="en-US" altLang="ja-JP" dirty="0" smtClean="0"/>
           </a:p>
@@ -7327,11 +7325,7 @@
             </a:r>
             <a:r>
               <a:rPr lang="ja-JP" altLang="en-US" dirty="0" smtClean="0"/>
-              <a:t>月頭までを</a:t>
-            </a:r>
-            <a:r>
-              <a:rPr lang="ja-JP" altLang="en-US" dirty="0" smtClean="0"/>
-              <a:t>めどに</a:t>
+              <a:t>月頭までをめどに</a:t>
             </a:r>
             <a:endParaRPr lang="en-US" altLang="ja-JP" dirty="0" smtClean="0"/>
           </a:p>
@@ -7419,6 +7413,13 @@
   <p:clrMapOvr>
     <a:masterClrMapping/>
   </p:clrMapOvr>
+  <p:timing>
+    <p:tnLst>
+      <p:par>
+        <p:cTn id="1" dur="indefinite" restart="never" nodeType="tmRoot"/>
+      </p:par>
+    </p:tnLst>
+  </p:timing>
 </p:sld>
 </file>
 
@@ -7669,6 +7670,13 @@
   <p:clrMapOvr>
     <a:masterClrMapping/>
   </p:clrMapOvr>
+  <p:timing>
+    <p:tnLst>
+      <p:par>
+        <p:cTn id="1" dur="indefinite" restart="never" nodeType="tmRoot"/>
+      </p:par>
+    </p:tnLst>
+  </p:timing>
 </p:sld>
 </file>
 
@@ -7943,6 +7951,13 @@
   <p:clrMapOvr>
     <a:masterClrMapping/>
   </p:clrMapOvr>
+  <p:timing>
+    <p:tnLst>
+      <p:par>
+        <p:cTn id="1" dur="indefinite" restart="never" nodeType="tmRoot"/>
+      </p:par>
+    </p:tnLst>
+  </p:timing>
 </p:sld>
 </file>
 
@@ -10590,8 +10605,8 @@
           </a:p>
         </p:txBody>
       </p:sp>
-      <mc:AlternateContent xmlns:mc="http://schemas.openxmlformats.org/markup-compatibility/2006">
-        <mc:Choice xmlns:a14="http://schemas.microsoft.com/office/drawing/2010/main" Requires="a14">
+      <mc:AlternateContent xmlns:mc="http://schemas.openxmlformats.org/markup-compatibility/2006" xmlns:a14="http://schemas.microsoft.com/office/drawing/2010/main">
+        <mc:Choice Requires="a14">
           <p:sp>
             <p:nvSpPr>
               <p:cNvPr id="3" name="コンテンツ プレースホルダー 2"/>
@@ -10625,11 +10640,7 @@
                 </a:r>
                 <a:r>
                   <a:rPr kumimoji="1" lang="ja-JP" altLang="en-US" dirty="0" smtClean="0"/>
-                  <a:t>個</a:t>
-                </a:r>
-                <a:r>
-                  <a:rPr kumimoji="1" lang="ja-JP" altLang="en-US" dirty="0" smtClean="0"/>
-                  <a:t>の直径</a:t>
+                  <a:t>個の直径</a:t>
                 </a:r>
                 <a:r>
                   <a:rPr kumimoji="1" lang="en-US" altLang="ja-JP" dirty="0" smtClean="0"/>
@@ -10650,8 +10661,12 @@
               </a:p>
               <a:p>
                 <a:r>
+                  <a:rPr lang="ja-JP" altLang="en-US" dirty="0"/>
+                  <a:t>ベクション</a:t>
+                </a:r>
+                <a:r>
                   <a:rPr lang="ja-JP" altLang="en-US" dirty="0" smtClean="0"/>
-                  <a:t>回転条件では球は左右どちらか，すべて同じ方向に，</a:t>
+                  <a:t>条件では球は左右どちらか，すべて同じ方向に，</a:t>
                 </a:r>
                 <a14:m>
                   <m:oMath xmlns:m="http://schemas.openxmlformats.org/officeDocument/2006/math">
@@ -10681,7 +10696,7 @@
             </p:txBody>
           </p:sp>
         </mc:Choice>
-        <mc:Fallback>
+        <mc:Fallback xmlns="">
           <p:sp>
             <p:nvSpPr>
               <p:cNvPr id="3" name="コンテンツ プレースホルダー 2"/>
@@ -10693,7 +10708,7 @@
               </p:nvPr>
             </p:nvSpPr>
             <p:spPr>
-              <a:blipFill>
+              <a:blipFill rotWithShape="0">
                 <a:blip r:embed="rId2"/>
                 <a:stretch>
                   <a:fillRect l="-971" t="-1503"/>
@@ -10805,8 +10820,8 @@
         </p:blipFill>
         <p:spPr>
           <a:xfrm>
-            <a:off x="2415053" y="2775719"/>
-            <a:ext cx="4496357" cy="3179834"/>
+            <a:off x="2817995" y="2670629"/>
+            <a:ext cx="4644957" cy="3284924"/>
           </a:xfrm>
           <a:prstGeom prst="rect">
             <a:avLst/>
